--- a/Programming workshops powerpoints/Programming workshop 2.5.pptx
+++ b/Programming workshops powerpoints/Programming workshop 2.5.pptx
@@ -263,7 +263,7 @@
           <a:p>
             <a:fld id="{9D763AE3-3217-4495-AFCD-026C8A2E3742}" type="datetimeFigureOut">
               <a:rPr lang="en-AU" smtClean="0"/>
-              <a:t>24/05/2017</a:t>
+              <a:t>31/05/2017</a:t>
             </a:fld>
             <a:endParaRPr lang="en-AU"/>
           </a:p>
@@ -445,7 +445,7 @@
           <a:p>
             <a:fld id="{9D763AE3-3217-4495-AFCD-026C8A2E3742}" type="datetimeFigureOut">
               <a:rPr lang="en-AU" smtClean="0"/>
-              <a:t>24/05/2017</a:t>
+              <a:t>31/05/2017</a:t>
             </a:fld>
             <a:endParaRPr lang="en-AU"/>
           </a:p>
@@ -637,7 +637,7 @@
           <a:p>
             <a:fld id="{9D763AE3-3217-4495-AFCD-026C8A2E3742}" type="datetimeFigureOut">
               <a:rPr lang="en-AU" smtClean="0"/>
-              <a:t>24/05/2017</a:t>
+              <a:t>31/05/2017</a:t>
             </a:fld>
             <a:endParaRPr lang="en-AU"/>
           </a:p>
@@ -819,7 +819,7 @@
           <a:p>
             <a:fld id="{9D763AE3-3217-4495-AFCD-026C8A2E3742}" type="datetimeFigureOut">
               <a:rPr lang="en-AU" smtClean="0"/>
-              <a:t>24/05/2017</a:t>
+              <a:t>31/05/2017</a:t>
             </a:fld>
             <a:endParaRPr lang="en-AU"/>
           </a:p>
@@ -1077,7 +1077,7 @@
           <a:p>
             <a:fld id="{9D763AE3-3217-4495-AFCD-026C8A2E3742}" type="datetimeFigureOut">
               <a:rPr lang="en-AU" smtClean="0"/>
-              <a:t>24/05/2017</a:t>
+              <a:t>31/05/2017</a:t>
             </a:fld>
             <a:endParaRPr lang="en-AU"/>
           </a:p>
@@ -1321,7 +1321,7 @@
           <a:p>
             <a:fld id="{9D763AE3-3217-4495-AFCD-026C8A2E3742}" type="datetimeFigureOut">
               <a:rPr lang="en-AU" smtClean="0"/>
-              <a:t>24/05/2017</a:t>
+              <a:t>31/05/2017</a:t>
             </a:fld>
             <a:endParaRPr lang="en-AU"/>
           </a:p>
@@ -1700,7 +1700,7 @@
           <a:p>
             <a:fld id="{9D763AE3-3217-4495-AFCD-026C8A2E3742}" type="datetimeFigureOut">
               <a:rPr lang="en-AU" smtClean="0"/>
-              <a:t>24/05/2017</a:t>
+              <a:t>31/05/2017</a:t>
             </a:fld>
             <a:endParaRPr lang="en-AU"/>
           </a:p>
@@ -1830,7 +1830,7 @@
           <a:p>
             <a:fld id="{9D763AE3-3217-4495-AFCD-026C8A2E3742}" type="datetimeFigureOut">
               <a:rPr lang="en-AU" smtClean="0"/>
-              <a:t>24/05/2017</a:t>
+              <a:t>31/05/2017</a:t>
             </a:fld>
             <a:endParaRPr lang="en-AU"/>
           </a:p>
@@ -1937,7 +1937,7 @@
           <a:p>
             <a:fld id="{9D763AE3-3217-4495-AFCD-026C8A2E3742}" type="datetimeFigureOut">
               <a:rPr lang="en-AU" smtClean="0"/>
-              <a:t>24/05/2017</a:t>
+              <a:t>31/05/2017</a:t>
             </a:fld>
             <a:endParaRPr lang="en-AU"/>
           </a:p>
@@ -2226,7 +2226,7 @@
           <a:p>
             <a:fld id="{9D763AE3-3217-4495-AFCD-026C8A2E3742}" type="datetimeFigureOut">
               <a:rPr lang="en-AU" smtClean="0"/>
-              <a:t>24/05/2017</a:t>
+              <a:t>31/05/2017</a:t>
             </a:fld>
             <a:endParaRPr lang="en-AU"/>
           </a:p>
@@ -2495,7 +2495,7 @@
           <a:p>
             <a:fld id="{9D763AE3-3217-4495-AFCD-026C8A2E3742}" type="datetimeFigureOut">
               <a:rPr lang="en-AU" smtClean="0"/>
-              <a:t>24/05/2017</a:t>
+              <a:t>31/05/2017</a:t>
             </a:fld>
             <a:endParaRPr lang="en-AU"/>
           </a:p>
@@ -2720,7 +2720,7 @@
           <a:p>
             <a:fld id="{9D763AE3-3217-4495-AFCD-026C8A2E3742}" type="datetimeFigureOut">
               <a:rPr lang="en-AU" smtClean="0"/>
-              <a:t>24/05/2017</a:t>
+              <a:t>31/05/2017</a:t>
             </a:fld>
             <a:endParaRPr lang="en-AU"/>
           </a:p>
@@ -5586,8 +5586,13 @@
           <a:p>
             <a:r>
               <a:rPr lang="en-AU" sz="2400" dirty="0"/>
-              <a:t>Do while loops are like while loops, only they run once in the beginning.</a:t>
-            </a:r>
+              <a:t>Do while loops are like while loops, only they run once in the </a:t>
+            </a:r>
+            <a:r>
+              <a:rPr lang="en-AU" sz="2400"/>
+              <a:t>beginning instead.</a:t>
+            </a:r>
+            <a:endParaRPr lang="en-AU" sz="2400" dirty="0"/>
           </a:p>
           <a:p>
             <a:pPr marL="0" indent="0">
